--- a/JobPortal.pptx
+++ b/JobPortal.pptx
@@ -8,12 +8,17 @@
     <p:sldId id="256" r:id="rId2"/>
     <p:sldId id="257" r:id="rId3"/>
     <p:sldId id="258" r:id="rId4"/>
-    <p:sldId id="259" r:id="rId5"/>
-    <p:sldId id="260" r:id="rId6"/>
-    <p:sldId id="261" r:id="rId7"/>
-    <p:sldId id="262" r:id="rId8"/>
-    <p:sldId id="263" r:id="rId9"/>
-    <p:sldId id="264" r:id="rId10"/>
+    <p:sldId id="268" r:id="rId5"/>
+    <p:sldId id="269" r:id="rId6"/>
+    <p:sldId id="259" r:id="rId7"/>
+    <p:sldId id="267" r:id="rId8"/>
+    <p:sldId id="265" r:id="rId9"/>
+    <p:sldId id="260" r:id="rId10"/>
+    <p:sldId id="266" r:id="rId11"/>
+    <p:sldId id="264" r:id="rId12"/>
+    <p:sldId id="263" r:id="rId13"/>
+    <p:sldId id="262" r:id="rId14"/>
+    <p:sldId id="261" r:id="rId15"/>
   </p:sldIdLst>
   <p:sldSz cx="12192000" cy="6858000"/>
   <p:notesSz cx="6858000" cy="9144000"/>
@@ -112,6 +117,11 @@
       </a:defRPr>
     </a:lvl9pPr>
   </p:defaultTextStyle>
+  <p:extLst>
+    <p:ext uri="{EFAFB233-063F-42B5-8137-9DF3F51BA10A}">
+      <p15:sldGuideLst xmlns:p15="http://schemas.microsoft.com/office/powerpoint/2012/main"/>
+    </p:ext>
+  </p:extLst>
 </p:presentation>
 </file>
 
@@ -264,7 +274,7 @@
           <a:p>
             <a:fld id="{34AF6C19-9132-4298-9764-C23CE48EE1D8}" type="datetimeFigureOut">
               <a:rPr lang="en-GB" smtClean="0"/>
-              <a:t>04/02/2020</a:t>
+              <a:t>14/04/2020</a:t>
             </a:fld>
             <a:endParaRPr lang="en-GB"/>
           </a:p>
@@ -464,7 +474,7 @@
           <a:p>
             <a:fld id="{34AF6C19-9132-4298-9764-C23CE48EE1D8}" type="datetimeFigureOut">
               <a:rPr lang="en-GB" smtClean="0"/>
-              <a:t>04/02/2020</a:t>
+              <a:t>14/04/2020</a:t>
             </a:fld>
             <a:endParaRPr lang="en-GB"/>
           </a:p>
@@ -674,7 +684,7 @@
           <a:p>
             <a:fld id="{34AF6C19-9132-4298-9764-C23CE48EE1D8}" type="datetimeFigureOut">
               <a:rPr lang="en-GB" smtClean="0"/>
-              <a:t>04/02/2020</a:t>
+              <a:t>14/04/2020</a:t>
             </a:fld>
             <a:endParaRPr lang="en-GB"/>
           </a:p>
@@ -874,7 +884,7 @@
           <a:p>
             <a:fld id="{34AF6C19-9132-4298-9764-C23CE48EE1D8}" type="datetimeFigureOut">
               <a:rPr lang="en-GB" smtClean="0"/>
-              <a:t>04/02/2020</a:t>
+              <a:t>14/04/2020</a:t>
             </a:fld>
             <a:endParaRPr lang="en-GB"/>
           </a:p>
@@ -1150,7 +1160,7 @@
           <a:p>
             <a:fld id="{34AF6C19-9132-4298-9764-C23CE48EE1D8}" type="datetimeFigureOut">
               <a:rPr lang="en-GB" smtClean="0"/>
-              <a:t>04/02/2020</a:t>
+              <a:t>14/04/2020</a:t>
             </a:fld>
             <a:endParaRPr lang="en-GB"/>
           </a:p>
@@ -1418,7 +1428,7 @@
           <a:p>
             <a:fld id="{34AF6C19-9132-4298-9764-C23CE48EE1D8}" type="datetimeFigureOut">
               <a:rPr lang="en-GB" smtClean="0"/>
-              <a:t>04/02/2020</a:t>
+              <a:t>14/04/2020</a:t>
             </a:fld>
             <a:endParaRPr lang="en-GB"/>
           </a:p>
@@ -1833,7 +1843,7 @@
           <a:p>
             <a:fld id="{34AF6C19-9132-4298-9764-C23CE48EE1D8}" type="datetimeFigureOut">
               <a:rPr lang="en-GB" smtClean="0"/>
-              <a:t>04/02/2020</a:t>
+              <a:t>14/04/2020</a:t>
             </a:fld>
             <a:endParaRPr lang="en-GB"/>
           </a:p>
@@ -1975,7 +1985,7 @@
           <a:p>
             <a:fld id="{34AF6C19-9132-4298-9764-C23CE48EE1D8}" type="datetimeFigureOut">
               <a:rPr lang="en-GB" smtClean="0"/>
-              <a:t>04/02/2020</a:t>
+              <a:t>14/04/2020</a:t>
             </a:fld>
             <a:endParaRPr lang="en-GB"/>
           </a:p>
@@ -2088,7 +2098,7 @@
           <a:p>
             <a:fld id="{34AF6C19-9132-4298-9764-C23CE48EE1D8}" type="datetimeFigureOut">
               <a:rPr lang="en-GB" smtClean="0"/>
-              <a:t>04/02/2020</a:t>
+              <a:t>14/04/2020</a:t>
             </a:fld>
             <a:endParaRPr lang="en-GB"/>
           </a:p>
@@ -2401,7 +2411,7 @@
           <a:p>
             <a:fld id="{34AF6C19-9132-4298-9764-C23CE48EE1D8}" type="datetimeFigureOut">
               <a:rPr lang="en-GB" smtClean="0"/>
-              <a:t>04/02/2020</a:t>
+              <a:t>14/04/2020</a:t>
             </a:fld>
             <a:endParaRPr lang="en-GB"/>
           </a:p>
@@ -2690,7 +2700,7 @@
           <a:p>
             <a:fld id="{34AF6C19-9132-4298-9764-C23CE48EE1D8}" type="datetimeFigureOut">
               <a:rPr lang="en-GB" smtClean="0"/>
-              <a:t>04/02/2020</a:t>
+              <a:t>14/04/2020</a:t>
             </a:fld>
             <a:endParaRPr lang="en-GB"/>
           </a:p>
@@ -2933,7 +2943,7 @@
           <a:p>
             <a:fld id="{34AF6C19-9132-4298-9764-C23CE48EE1D8}" type="datetimeFigureOut">
               <a:rPr lang="en-GB" smtClean="0"/>
-              <a:t>04/02/2020</a:t>
+              <a:t>14/04/2020</a:t>
             </a:fld>
             <a:endParaRPr lang="en-GB"/>
           </a:p>
@@ -3406,6 +3416,20 @@
             </a:r>
           </a:p>
           <a:p>
+            <a:endParaRPr lang="en-US" dirty="0"/>
+          </a:p>
+          <a:p>
+            <a:r>
+              <a:rPr lang="en-US" dirty="0"/>
+              <a:t>Tools: </a:t>
+            </a:r>
+            <a:r>
+              <a:rPr lang="en-US" dirty="0" err="1"/>
+              <a:t>Servlet,JSP,HTML,CSS</a:t>
+            </a:r>
+            <a:endParaRPr lang="en-US" dirty="0"/>
+          </a:p>
+          <a:p>
             <a:endParaRPr lang="en-GB" dirty="0"/>
           </a:p>
         </p:txBody>
@@ -3414,6 +3438,471 @@
     <p:extLst>
       <p:ext uri="{BB962C8B-B14F-4D97-AF65-F5344CB8AC3E}">
         <p14:creationId xmlns:p14="http://schemas.microsoft.com/office/powerpoint/2010/main" val="859733059"/>
+      </p:ext>
+    </p:extLst>
+  </p:cSld>
+  <p:clrMapOvr>
+    <a:masterClrMapping/>
+  </p:clrMapOvr>
+</p:sld>
+</file>
+
+<file path=ppt/slides/slide10.xml><?xml version="1.0" encoding="utf-8"?>
+<p:sld xmlns:a="http://schemas.openxmlformats.org/drawingml/2006/main" xmlns:r="http://schemas.openxmlformats.org/officeDocument/2006/relationships" xmlns:p="http://schemas.openxmlformats.org/presentationml/2006/main">
+  <p:cSld>
+    <p:spTree>
+      <p:nvGrpSpPr>
+        <p:cNvPr id="1" name=""/>
+        <p:cNvGrpSpPr/>
+        <p:nvPr/>
+      </p:nvGrpSpPr>
+      <p:grpSpPr>
+        <a:xfrm>
+          <a:off x="0" y="0"/>
+          <a:ext cx="0" cy="0"/>
+          <a:chOff x="0" y="0"/>
+          <a:chExt cx="0" cy="0"/>
+        </a:xfrm>
+      </p:grpSpPr>
+      <p:sp>
+        <p:nvSpPr>
+          <p:cNvPr id="2" name="Title 1">
+            <a:extLst>
+              <a:ext uri="{FF2B5EF4-FFF2-40B4-BE49-F238E27FC236}">
+                <a16:creationId xmlns:a16="http://schemas.microsoft.com/office/drawing/2014/main" id="{AE771702-D581-41CF-8CAC-A32CB8085D37}"/>
+              </a:ext>
+            </a:extLst>
+          </p:cNvPr>
+          <p:cNvSpPr>
+            <a:spLocks noGrp="1"/>
+          </p:cNvSpPr>
+          <p:nvPr>
+            <p:ph type="title"/>
+          </p:nvPr>
+        </p:nvSpPr>
+        <p:spPr/>
+        <p:txBody>
+          <a:bodyPr/>
+          <a:lstStyle/>
+          <a:p>
+            <a:r>
+              <a:rPr lang="en-US" dirty="0"/>
+              <a:t>Find Jobs</a:t>
+            </a:r>
+            <a:endParaRPr lang="en-GB" dirty="0"/>
+          </a:p>
+        </p:txBody>
+      </p:sp>
+      <p:pic>
+        <p:nvPicPr>
+          <p:cNvPr id="5" name="Content Placeholder 4">
+            <a:extLst>
+              <a:ext uri="{FF2B5EF4-FFF2-40B4-BE49-F238E27FC236}">
+                <a16:creationId xmlns:a16="http://schemas.microsoft.com/office/drawing/2014/main" id="{DAFBEF47-00B2-44B3-B589-F224ACFD6890}"/>
+              </a:ext>
+            </a:extLst>
+          </p:cNvPr>
+          <p:cNvPicPr>
+            <a:picLocks noGrp="1" noChangeAspect="1"/>
+          </p:cNvPicPr>
+          <p:nvPr>
+            <p:ph idx="1"/>
+          </p:nvPr>
+        </p:nvPicPr>
+        <p:blipFill>
+          <a:blip r:embed="rId2">
+            <a:extLst>
+              <a:ext uri="{28A0092B-C50C-407E-A947-70E740481C1C}">
+                <a14:useLocalDpi xmlns:a14="http://schemas.microsoft.com/office/drawing/2010/main" val="0"/>
+              </a:ext>
+            </a:extLst>
+          </a:blip>
+          <a:srcRect/>
+          <a:stretch/>
+        </p:blipFill>
+        <p:spPr>
+          <a:xfrm>
+            <a:off x="2614930" y="2248672"/>
+            <a:ext cx="6962139" cy="3505244"/>
+          </a:xfrm>
+        </p:spPr>
+      </p:pic>
+    </p:spTree>
+    <p:extLst>
+      <p:ext uri="{BB962C8B-B14F-4D97-AF65-F5344CB8AC3E}">
+        <p14:creationId xmlns:p14="http://schemas.microsoft.com/office/powerpoint/2010/main" val="3161082469"/>
+      </p:ext>
+    </p:extLst>
+  </p:cSld>
+  <p:clrMapOvr>
+    <a:masterClrMapping/>
+  </p:clrMapOvr>
+</p:sld>
+</file>
+
+<file path=ppt/slides/slide11.xml><?xml version="1.0" encoding="utf-8"?>
+<p:sld xmlns:a="http://schemas.openxmlformats.org/drawingml/2006/main" xmlns:r="http://schemas.openxmlformats.org/officeDocument/2006/relationships" xmlns:p="http://schemas.openxmlformats.org/presentationml/2006/main">
+  <p:cSld>
+    <p:spTree>
+      <p:nvGrpSpPr>
+        <p:cNvPr id="1" name=""/>
+        <p:cNvGrpSpPr/>
+        <p:nvPr/>
+      </p:nvGrpSpPr>
+      <p:grpSpPr>
+        <a:xfrm>
+          <a:off x="0" y="0"/>
+          <a:ext cx="0" cy="0"/>
+          <a:chOff x="0" y="0"/>
+          <a:chExt cx="0" cy="0"/>
+        </a:xfrm>
+      </p:grpSpPr>
+      <p:sp>
+        <p:nvSpPr>
+          <p:cNvPr id="2" name="Title 1">
+            <a:extLst>
+              <a:ext uri="{FF2B5EF4-FFF2-40B4-BE49-F238E27FC236}">
+                <a16:creationId xmlns:a16="http://schemas.microsoft.com/office/drawing/2014/main" id="{AE771702-D581-41CF-8CAC-A32CB8085D37}"/>
+              </a:ext>
+            </a:extLst>
+          </p:cNvPr>
+          <p:cNvSpPr>
+            <a:spLocks noGrp="1"/>
+          </p:cNvSpPr>
+          <p:nvPr>
+            <p:ph type="title"/>
+          </p:nvPr>
+        </p:nvSpPr>
+        <p:spPr/>
+        <p:txBody>
+          <a:bodyPr/>
+          <a:lstStyle/>
+          <a:p>
+            <a:r>
+              <a:rPr lang="en-US" dirty="0"/>
+              <a:t>Apply Job</a:t>
+            </a:r>
+            <a:endParaRPr lang="en-GB" dirty="0"/>
+          </a:p>
+        </p:txBody>
+      </p:sp>
+      <p:pic>
+        <p:nvPicPr>
+          <p:cNvPr id="5" name="Content Placeholder 4">
+            <a:extLst>
+              <a:ext uri="{FF2B5EF4-FFF2-40B4-BE49-F238E27FC236}">
+                <a16:creationId xmlns:a16="http://schemas.microsoft.com/office/drawing/2014/main" id="{DAFBEF47-00B2-44B3-B589-F224ACFD6890}"/>
+              </a:ext>
+            </a:extLst>
+          </p:cNvPr>
+          <p:cNvPicPr>
+            <a:picLocks noGrp="1" noChangeAspect="1"/>
+          </p:cNvPicPr>
+          <p:nvPr>
+            <p:ph idx="1"/>
+          </p:nvPr>
+        </p:nvPicPr>
+        <p:blipFill>
+          <a:blip r:embed="rId2">
+            <a:extLst>
+              <a:ext uri="{28A0092B-C50C-407E-A947-70E740481C1C}">
+                <a14:useLocalDpi xmlns:a14="http://schemas.microsoft.com/office/drawing/2010/main" val="0"/>
+              </a:ext>
+            </a:extLst>
+          </a:blip>
+          <a:srcRect/>
+          <a:stretch/>
+        </p:blipFill>
+        <p:spPr>
+          <a:xfrm>
+            <a:off x="2614930" y="2248672"/>
+            <a:ext cx="6962140" cy="3505244"/>
+          </a:xfrm>
+        </p:spPr>
+      </p:pic>
+    </p:spTree>
+    <p:extLst>
+      <p:ext uri="{BB962C8B-B14F-4D97-AF65-F5344CB8AC3E}">
+        <p14:creationId xmlns:p14="http://schemas.microsoft.com/office/powerpoint/2010/main" val="1198467285"/>
+      </p:ext>
+    </p:extLst>
+  </p:cSld>
+  <p:clrMapOvr>
+    <a:masterClrMapping/>
+  </p:clrMapOvr>
+</p:sld>
+</file>
+
+<file path=ppt/slides/slide12.xml><?xml version="1.0" encoding="utf-8"?>
+<p:sld xmlns:a="http://schemas.openxmlformats.org/drawingml/2006/main" xmlns:r="http://schemas.openxmlformats.org/officeDocument/2006/relationships" xmlns:p="http://schemas.openxmlformats.org/presentationml/2006/main">
+  <p:cSld>
+    <p:spTree>
+      <p:nvGrpSpPr>
+        <p:cNvPr id="1" name=""/>
+        <p:cNvGrpSpPr/>
+        <p:nvPr/>
+      </p:nvGrpSpPr>
+      <p:grpSpPr>
+        <a:xfrm>
+          <a:off x="0" y="0"/>
+          <a:ext cx="0" cy="0"/>
+          <a:chOff x="0" y="0"/>
+          <a:chExt cx="0" cy="0"/>
+        </a:xfrm>
+      </p:grpSpPr>
+      <p:sp>
+        <p:nvSpPr>
+          <p:cNvPr id="2" name="Title 1">
+            <a:extLst>
+              <a:ext uri="{FF2B5EF4-FFF2-40B4-BE49-F238E27FC236}">
+                <a16:creationId xmlns:a16="http://schemas.microsoft.com/office/drawing/2014/main" id="{AE771702-D581-41CF-8CAC-A32CB8085D37}"/>
+              </a:ext>
+            </a:extLst>
+          </p:cNvPr>
+          <p:cNvSpPr>
+            <a:spLocks noGrp="1"/>
+          </p:cNvSpPr>
+          <p:nvPr>
+            <p:ph type="title"/>
+          </p:nvPr>
+        </p:nvSpPr>
+        <p:spPr/>
+        <p:txBody>
+          <a:bodyPr/>
+          <a:lstStyle/>
+          <a:p>
+            <a:r>
+              <a:rPr lang="en-US" dirty="0"/>
+              <a:t>View Past Projects</a:t>
+            </a:r>
+            <a:endParaRPr lang="en-GB" dirty="0"/>
+          </a:p>
+        </p:txBody>
+      </p:sp>
+      <p:pic>
+        <p:nvPicPr>
+          <p:cNvPr id="5" name="Content Placeholder 4" descr="A screenshot of a cell phone&#10;&#10;Description automatically generated">
+            <a:extLst>
+              <a:ext uri="{FF2B5EF4-FFF2-40B4-BE49-F238E27FC236}">
+                <a16:creationId xmlns:a16="http://schemas.microsoft.com/office/drawing/2014/main" id="{3A5357D3-7A45-4669-8A79-01C3F2C5F70F}"/>
+              </a:ext>
+            </a:extLst>
+          </p:cNvPr>
+          <p:cNvPicPr>
+            <a:picLocks noGrp="1" noChangeAspect="1"/>
+          </p:cNvPicPr>
+          <p:nvPr>
+            <p:ph idx="1"/>
+          </p:nvPr>
+        </p:nvPicPr>
+        <p:blipFill>
+          <a:blip r:embed="rId2">
+            <a:extLst>
+              <a:ext uri="{28A0092B-C50C-407E-A947-70E740481C1C}">
+                <a14:useLocalDpi xmlns:a14="http://schemas.microsoft.com/office/drawing/2010/main" val="0"/>
+              </a:ext>
+            </a:extLst>
+          </a:blip>
+          <a:stretch>
+            <a:fillRect/>
+          </a:stretch>
+        </p:blipFill>
+        <p:spPr>
+          <a:xfrm>
+            <a:off x="2614930" y="1825625"/>
+            <a:ext cx="6962140" cy="4351338"/>
+          </a:xfrm>
+        </p:spPr>
+      </p:pic>
+    </p:spTree>
+    <p:extLst>
+      <p:ext uri="{BB962C8B-B14F-4D97-AF65-F5344CB8AC3E}">
+        <p14:creationId xmlns:p14="http://schemas.microsoft.com/office/powerpoint/2010/main" val="4070583840"/>
+      </p:ext>
+    </p:extLst>
+  </p:cSld>
+  <p:clrMapOvr>
+    <a:masterClrMapping/>
+  </p:clrMapOvr>
+</p:sld>
+</file>
+
+<file path=ppt/slides/slide13.xml><?xml version="1.0" encoding="utf-8"?>
+<p:sld xmlns:a="http://schemas.openxmlformats.org/drawingml/2006/main" xmlns:r="http://schemas.openxmlformats.org/officeDocument/2006/relationships" xmlns:p="http://schemas.openxmlformats.org/presentationml/2006/main">
+  <p:cSld>
+    <p:spTree>
+      <p:nvGrpSpPr>
+        <p:cNvPr id="1" name=""/>
+        <p:cNvGrpSpPr/>
+        <p:nvPr/>
+      </p:nvGrpSpPr>
+      <p:grpSpPr>
+        <a:xfrm>
+          <a:off x="0" y="0"/>
+          <a:ext cx="0" cy="0"/>
+          <a:chOff x="0" y="0"/>
+          <a:chExt cx="0" cy="0"/>
+        </a:xfrm>
+      </p:grpSpPr>
+      <p:sp>
+        <p:nvSpPr>
+          <p:cNvPr id="2" name="Title 1">
+            <a:extLst>
+              <a:ext uri="{FF2B5EF4-FFF2-40B4-BE49-F238E27FC236}">
+                <a16:creationId xmlns:a16="http://schemas.microsoft.com/office/drawing/2014/main" id="{AE771702-D581-41CF-8CAC-A32CB8085D37}"/>
+              </a:ext>
+            </a:extLst>
+          </p:cNvPr>
+          <p:cNvSpPr>
+            <a:spLocks noGrp="1"/>
+          </p:cNvSpPr>
+          <p:nvPr>
+            <p:ph type="title"/>
+          </p:nvPr>
+        </p:nvSpPr>
+        <p:spPr/>
+        <p:txBody>
+          <a:bodyPr/>
+          <a:lstStyle/>
+          <a:p>
+            <a:r>
+              <a:rPr lang="en-US" dirty="0"/>
+              <a:t>Client Homepage</a:t>
+            </a:r>
+            <a:endParaRPr lang="en-GB" dirty="0"/>
+          </a:p>
+        </p:txBody>
+      </p:sp>
+      <p:pic>
+        <p:nvPicPr>
+          <p:cNvPr id="5" name="Content Placeholder 4">
+            <a:extLst>
+              <a:ext uri="{FF2B5EF4-FFF2-40B4-BE49-F238E27FC236}">
+                <a16:creationId xmlns:a16="http://schemas.microsoft.com/office/drawing/2014/main" id="{9D1DFF90-B550-4992-A36F-68BFFBB445FE}"/>
+              </a:ext>
+            </a:extLst>
+          </p:cNvPr>
+          <p:cNvPicPr>
+            <a:picLocks noGrp="1" noChangeAspect="1"/>
+          </p:cNvPicPr>
+          <p:nvPr>
+            <p:ph idx="1"/>
+          </p:nvPr>
+        </p:nvPicPr>
+        <p:blipFill>
+          <a:blip r:embed="rId2">
+            <a:extLst>
+              <a:ext uri="{28A0092B-C50C-407E-A947-70E740481C1C}">
+                <a14:useLocalDpi xmlns:a14="http://schemas.microsoft.com/office/drawing/2010/main" val="0"/>
+              </a:ext>
+            </a:extLst>
+          </a:blip>
+          <a:srcRect/>
+          <a:stretch/>
+        </p:blipFill>
+        <p:spPr>
+          <a:xfrm>
+            <a:off x="2614930" y="2248672"/>
+            <a:ext cx="6962140" cy="3505244"/>
+          </a:xfrm>
+        </p:spPr>
+      </p:pic>
+    </p:spTree>
+    <p:extLst>
+      <p:ext uri="{BB962C8B-B14F-4D97-AF65-F5344CB8AC3E}">
+        <p14:creationId xmlns:p14="http://schemas.microsoft.com/office/powerpoint/2010/main" val="969729058"/>
+      </p:ext>
+    </p:extLst>
+  </p:cSld>
+  <p:clrMapOvr>
+    <a:masterClrMapping/>
+  </p:clrMapOvr>
+</p:sld>
+</file>
+
+<file path=ppt/slides/slide14.xml><?xml version="1.0" encoding="utf-8"?>
+<p:sld xmlns:a="http://schemas.openxmlformats.org/drawingml/2006/main" xmlns:r="http://schemas.openxmlformats.org/officeDocument/2006/relationships" xmlns:p="http://schemas.openxmlformats.org/presentationml/2006/main">
+  <p:cSld>
+    <p:spTree>
+      <p:nvGrpSpPr>
+        <p:cNvPr id="1" name=""/>
+        <p:cNvGrpSpPr/>
+        <p:nvPr/>
+      </p:nvGrpSpPr>
+      <p:grpSpPr>
+        <a:xfrm>
+          <a:off x="0" y="0"/>
+          <a:ext cx="0" cy="0"/>
+          <a:chOff x="0" y="0"/>
+          <a:chExt cx="0" cy="0"/>
+        </a:xfrm>
+      </p:grpSpPr>
+      <p:sp>
+        <p:nvSpPr>
+          <p:cNvPr id="2" name="Title 1">
+            <a:extLst>
+              <a:ext uri="{FF2B5EF4-FFF2-40B4-BE49-F238E27FC236}">
+                <a16:creationId xmlns:a16="http://schemas.microsoft.com/office/drawing/2014/main" id="{AE771702-D581-41CF-8CAC-A32CB8085D37}"/>
+              </a:ext>
+            </a:extLst>
+          </p:cNvPr>
+          <p:cNvSpPr>
+            <a:spLocks noGrp="1"/>
+          </p:cNvSpPr>
+          <p:nvPr>
+            <p:ph type="title"/>
+          </p:nvPr>
+        </p:nvSpPr>
+        <p:spPr/>
+        <p:txBody>
+          <a:bodyPr/>
+          <a:lstStyle/>
+          <a:p>
+            <a:r>
+              <a:rPr lang="en-GB" dirty="0"/>
+              <a:t> Client Post Job</a:t>
+            </a:r>
+          </a:p>
+        </p:txBody>
+      </p:sp>
+      <p:pic>
+        <p:nvPicPr>
+          <p:cNvPr id="5" name="Content Placeholder 4">
+            <a:extLst>
+              <a:ext uri="{FF2B5EF4-FFF2-40B4-BE49-F238E27FC236}">
+                <a16:creationId xmlns:a16="http://schemas.microsoft.com/office/drawing/2014/main" id="{0FF3B6C6-D881-486D-87D9-298724944AE9}"/>
+              </a:ext>
+            </a:extLst>
+          </p:cNvPr>
+          <p:cNvPicPr>
+            <a:picLocks noGrp="1" noChangeAspect="1"/>
+          </p:cNvPicPr>
+          <p:nvPr>
+            <p:ph idx="1"/>
+          </p:nvPr>
+        </p:nvPicPr>
+        <p:blipFill>
+          <a:blip r:embed="rId2">
+            <a:extLst>
+              <a:ext uri="{28A0092B-C50C-407E-A947-70E740481C1C}">
+                <a14:useLocalDpi xmlns:a14="http://schemas.microsoft.com/office/drawing/2010/main" val="0"/>
+              </a:ext>
+            </a:extLst>
+          </a:blip>
+          <a:srcRect/>
+          <a:stretch/>
+        </p:blipFill>
+        <p:spPr>
+          <a:xfrm>
+            <a:off x="2614930" y="2248672"/>
+            <a:ext cx="6962140" cy="3505244"/>
+          </a:xfrm>
+        </p:spPr>
+      </p:pic>
+    </p:spTree>
+    <p:extLst>
+      <p:ext uri="{BB962C8B-B14F-4D97-AF65-F5344CB8AC3E}">
+        <p14:creationId xmlns:p14="http://schemas.microsoft.com/office/powerpoint/2010/main" val="2560242314"/>
       </p:ext>
     </p:extLst>
   </p:cSld>
@@ -3471,7 +3960,7 @@
       </p:sp>
       <p:pic>
         <p:nvPicPr>
-          <p:cNvPr id="5" name="Content Placeholder 4" descr="A screenshot of a social media post&#10;&#10;Description automatically generated">
+          <p:cNvPr id="5" name="Content Placeholder 4">
             <a:extLst>
               <a:ext uri="{FF2B5EF4-FFF2-40B4-BE49-F238E27FC236}">
                 <a16:creationId xmlns:a16="http://schemas.microsoft.com/office/drawing/2014/main" id="{638CB591-8906-4BE6-B9E4-B914EEBEEB3F}"/>
@@ -3493,14 +3982,13 @@
               </a:ext>
             </a:extLst>
           </a:blip>
-          <a:stretch>
-            <a:fillRect/>
-          </a:stretch>
+          <a:srcRect/>
+          <a:stretch/>
         </p:blipFill>
         <p:spPr>
           <a:xfrm>
-            <a:off x="2614930" y="1825625"/>
-            <a:ext cx="6962140" cy="4351338"/>
+            <a:off x="2614930" y="2248672"/>
+            <a:ext cx="6962140" cy="3505244"/>
           </a:xfrm>
         </p:spPr>
       </p:pic>
@@ -3565,7 +4053,7 @@
       </p:sp>
       <p:pic>
         <p:nvPicPr>
-          <p:cNvPr id="5" name="Content Placeholder 4" descr="A screenshot of a computer&#10;&#10;Description automatically generated">
+          <p:cNvPr id="5" name="Content Placeholder 4">
             <a:extLst>
               <a:ext uri="{FF2B5EF4-FFF2-40B4-BE49-F238E27FC236}">
                 <a16:creationId xmlns:a16="http://schemas.microsoft.com/office/drawing/2014/main" id="{7A1AF975-B3D9-4667-8B7E-B0B7562B81CF}"/>
@@ -3587,14 +4075,13 @@
               </a:ext>
             </a:extLst>
           </a:blip>
-          <a:stretch>
-            <a:fillRect/>
-          </a:stretch>
+          <a:srcRect/>
+          <a:stretch/>
         </p:blipFill>
         <p:spPr>
           <a:xfrm>
-            <a:off x="2614930" y="1825625"/>
-            <a:ext cx="6962140" cy="4351338"/>
+            <a:off x="2614930" y="2248672"/>
+            <a:ext cx="6962140" cy="3505244"/>
           </a:xfrm>
         </p:spPr>
       </p:pic>
@@ -3651,18 +4138,21 @@
           <a:p>
             <a:r>
               <a:rPr lang="en-US" dirty="0"/>
-              <a:t>Employee Login Screen</a:t>
-            </a:r>
+              <a:t>Employee Login</a:t>
+            </a:r>
+            <a:br>
+              <a:rPr lang="en-US" dirty="0"/>
+            </a:br>
             <a:endParaRPr lang="en-GB" dirty="0"/>
           </a:p>
         </p:txBody>
       </p:sp>
       <p:pic>
         <p:nvPicPr>
-          <p:cNvPr id="5" name="Content Placeholder 4" descr="A screenshot of a computer&#10;&#10;Description automatically generated">
-            <a:extLst>
-              <a:ext uri="{FF2B5EF4-FFF2-40B4-BE49-F238E27FC236}">
-                <a16:creationId xmlns:a16="http://schemas.microsoft.com/office/drawing/2014/main" id="{F6627391-7523-4C00-BD62-F87EAA2817CE}"/>
+          <p:cNvPr id="5" name="Content Placeholder 4">
+            <a:extLst>
+              <a:ext uri="{FF2B5EF4-FFF2-40B4-BE49-F238E27FC236}">
+                <a16:creationId xmlns:a16="http://schemas.microsoft.com/office/drawing/2014/main" id="{DAFBEF47-00B2-44B3-B589-F224ACFD6890}"/>
               </a:ext>
             </a:extLst>
           </p:cNvPr>
@@ -3681,21 +4171,20 @@
               </a:ext>
             </a:extLst>
           </a:blip>
-          <a:stretch>
-            <a:fillRect/>
-          </a:stretch>
+          <a:srcRect/>
+          <a:stretch/>
         </p:blipFill>
         <p:spPr>
           <a:xfrm>
-            <a:off x="2614930" y="1825625"/>
-            <a:ext cx="6962140" cy="4351338"/>
+            <a:off x="2614930" y="2248672"/>
+            <a:ext cx="6962139" cy="3505244"/>
           </a:xfrm>
         </p:spPr>
       </p:pic>
     </p:spTree>
     <p:extLst>
       <p:ext uri="{BB962C8B-B14F-4D97-AF65-F5344CB8AC3E}">
-        <p14:creationId xmlns:p14="http://schemas.microsoft.com/office/powerpoint/2010/main" val="506204052"/>
+        <p14:creationId xmlns:p14="http://schemas.microsoft.com/office/powerpoint/2010/main" val="1334729977"/>
       </p:ext>
     </p:extLst>
   </p:cSld>
@@ -3745,7 +4234,7 @@
           <a:p>
             <a:r>
               <a:rPr lang="en-US" dirty="0"/>
-              <a:t>Find Jobs</a:t>
+              <a:t>Employee Signup </a:t>
             </a:r>
             <a:endParaRPr lang="en-GB" dirty="0"/>
           </a:p>
@@ -3753,10 +4242,10 @@
       </p:sp>
       <p:pic>
         <p:nvPicPr>
-          <p:cNvPr id="5" name="Content Placeholder 4" descr="A screenshot of a cell phone&#10;&#10;Description automatically generated">
-            <a:extLst>
-              <a:ext uri="{FF2B5EF4-FFF2-40B4-BE49-F238E27FC236}">
-                <a16:creationId xmlns:a16="http://schemas.microsoft.com/office/drawing/2014/main" id="{D54E751E-A613-433C-9EC8-2742CEEBDCB9}"/>
+          <p:cNvPr id="5" name="Content Placeholder 4">
+            <a:extLst>
+              <a:ext uri="{FF2B5EF4-FFF2-40B4-BE49-F238E27FC236}">
+                <a16:creationId xmlns:a16="http://schemas.microsoft.com/office/drawing/2014/main" id="{DAFBEF47-00B2-44B3-B589-F224ACFD6890}"/>
               </a:ext>
             </a:extLst>
           </p:cNvPr>
@@ -3775,21 +4264,20 @@
               </a:ext>
             </a:extLst>
           </a:blip>
-          <a:stretch>
-            <a:fillRect/>
-          </a:stretch>
+          <a:srcRect/>
+          <a:stretch/>
         </p:blipFill>
         <p:spPr>
           <a:xfrm>
-            <a:off x="2614930" y="1825625"/>
-            <a:ext cx="6962140" cy="4351338"/>
+            <a:off x="2614930" y="2248672"/>
+            <a:ext cx="6962139" cy="3505244"/>
           </a:xfrm>
         </p:spPr>
       </p:pic>
     </p:spTree>
     <p:extLst>
       <p:ext uri="{BB962C8B-B14F-4D97-AF65-F5344CB8AC3E}">
-        <p14:creationId xmlns:p14="http://schemas.microsoft.com/office/powerpoint/2010/main" val="1978897443"/>
+        <p14:creationId xmlns:p14="http://schemas.microsoft.com/office/powerpoint/2010/main" val="1712800458"/>
       </p:ext>
     </p:extLst>
   </p:cSld>
@@ -3837,16 +4325,20 @@
           <a:bodyPr/>
           <a:lstStyle/>
           <a:p>
+            <a:r>
+              <a:rPr lang="en-US" dirty="0"/>
+              <a:t>Employee Profile</a:t>
+            </a:r>
             <a:endParaRPr lang="en-GB" dirty="0"/>
           </a:p>
         </p:txBody>
       </p:sp>
       <p:pic>
         <p:nvPicPr>
-          <p:cNvPr id="5" name="Content Placeholder 4" descr="A screenshot of a cell phone&#10;&#10;Description automatically generated">
-            <a:extLst>
-              <a:ext uri="{FF2B5EF4-FFF2-40B4-BE49-F238E27FC236}">
-                <a16:creationId xmlns:a16="http://schemas.microsoft.com/office/drawing/2014/main" id="{0FF3B6C6-D881-486D-87D9-298724944AE9}"/>
+          <p:cNvPr id="5" name="Content Placeholder 4">
+            <a:extLst>
+              <a:ext uri="{FF2B5EF4-FFF2-40B4-BE49-F238E27FC236}">
+                <a16:creationId xmlns:a16="http://schemas.microsoft.com/office/drawing/2014/main" id="{F6627391-7523-4C00-BD62-F87EAA2817CE}"/>
               </a:ext>
             </a:extLst>
           </p:cNvPr>
@@ -3865,21 +4357,20 @@
               </a:ext>
             </a:extLst>
           </a:blip>
-          <a:stretch>
-            <a:fillRect/>
-          </a:stretch>
+          <a:srcRect/>
+          <a:stretch/>
         </p:blipFill>
         <p:spPr>
           <a:xfrm>
-            <a:off x="2614930" y="1825625"/>
-            <a:ext cx="6962140" cy="4351338"/>
+            <a:off x="2614930" y="2248672"/>
+            <a:ext cx="6962140" cy="3505244"/>
           </a:xfrm>
         </p:spPr>
       </p:pic>
     </p:spTree>
     <p:extLst>
       <p:ext uri="{BB962C8B-B14F-4D97-AF65-F5344CB8AC3E}">
-        <p14:creationId xmlns:p14="http://schemas.microsoft.com/office/powerpoint/2010/main" val="2560242314"/>
+        <p14:creationId xmlns:p14="http://schemas.microsoft.com/office/powerpoint/2010/main" val="506204052"/>
       </p:ext>
     </p:extLst>
   </p:cSld>
@@ -3929,7 +4420,7 @@
           <a:p>
             <a:r>
               <a:rPr lang="en-US" dirty="0"/>
-              <a:t>Individual Jobs</a:t>
+              <a:t>Profile Update</a:t>
             </a:r>
             <a:endParaRPr lang="en-GB" dirty="0"/>
           </a:p>
@@ -3937,10 +4428,10 @@
       </p:sp>
       <p:pic>
         <p:nvPicPr>
-          <p:cNvPr id="5" name="Content Placeholder 4" descr="A screenshot of a cell phone&#10;&#10;Description automatically generated">
-            <a:extLst>
-              <a:ext uri="{FF2B5EF4-FFF2-40B4-BE49-F238E27FC236}">
-                <a16:creationId xmlns:a16="http://schemas.microsoft.com/office/drawing/2014/main" id="{9D1DFF90-B550-4992-A36F-68BFFBB445FE}"/>
+          <p:cNvPr id="5" name="Content Placeholder 4">
+            <a:extLst>
+              <a:ext uri="{FF2B5EF4-FFF2-40B4-BE49-F238E27FC236}">
+                <a16:creationId xmlns:a16="http://schemas.microsoft.com/office/drawing/2014/main" id="{DAFBEF47-00B2-44B3-B589-F224ACFD6890}"/>
               </a:ext>
             </a:extLst>
           </p:cNvPr>
@@ -3959,21 +4450,20 @@
               </a:ext>
             </a:extLst>
           </a:blip>
-          <a:stretch>
-            <a:fillRect/>
-          </a:stretch>
+          <a:srcRect/>
+          <a:stretch/>
         </p:blipFill>
         <p:spPr>
           <a:xfrm>
-            <a:off x="2614930" y="1825625"/>
-            <a:ext cx="6962140" cy="4351338"/>
+            <a:off x="2614930" y="2248672"/>
+            <a:ext cx="6962139" cy="3505244"/>
           </a:xfrm>
         </p:spPr>
       </p:pic>
     </p:spTree>
     <p:extLst>
       <p:ext uri="{BB962C8B-B14F-4D97-AF65-F5344CB8AC3E}">
-        <p14:creationId xmlns:p14="http://schemas.microsoft.com/office/powerpoint/2010/main" val="969729058"/>
+        <p14:creationId xmlns:p14="http://schemas.microsoft.com/office/powerpoint/2010/main" val="4217984457"/>
       </p:ext>
     </p:extLst>
   </p:cSld>
@@ -4023,7 +4513,7 @@
           <a:p>
             <a:r>
               <a:rPr lang="en-US" dirty="0"/>
-              <a:t>View Past Projects</a:t>
+              <a:t>Updated Profile</a:t>
             </a:r>
             <a:endParaRPr lang="en-GB" dirty="0"/>
           </a:p>
@@ -4031,10 +4521,10 @@
       </p:sp>
       <p:pic>
         <p:nvPicPr>
-          <p:cNvPr id="5" name="Content Placeholder 4" descr="A screenshot of a cell phone&#10;&#10;Description automatically generated">
-            <a:extLst>
-              <a:ext uri="{FF2B5EF4-FFF2-40B4-BE49-F238E27FC236}">
-                <a16:creationId xmlns:a16="http://schemas.microsoft.com/office/drawing/2014/main" id="{3A5357D3-7A45-4669-8A79-01C3F2C5F70F}"/>
+          <p:cNvPr id="5" name="Content Placeholder 4">
+            <a:extLst>
+              <a:ext uri="{FF2B5EF4-FFF2-40B4-BE49-F238E27FC236}">
+                <a16:creationId xmlns:a16="http://schemas.microsoft.com/office/drawing/2014/main" id="{DAFBEF47-00B2-44B3-B589-F224ACFD6890}"/>
               </a:ext>
             </a:extLst>
           </p:cNvPr>
@@ -4053,21 +4543,20 @@
               </a:ext>
             </a:extLst>
           </a:blip>
-          <a:stretch>
-            <a:fillRect/>
-          </a:stretch>
+          <a:srcRect/>
+          <a:stretch/>
         </p:blipFill>
         <p:spPr>
           <a:xfrm>
-            <a:off x="2614930" y="1825625"/>
-            <a:ext cx="6962140" cy="4351338"/>
+            <a:off x="2614930" y="2248672"/>
+            <a:ext cx="6962139" cy="3505244"/>
           </a:xfrm>
         </p:spPr>
       </p:pic>
     </p:spTree>
     <p:extLst>
       <p:ext uri="{BB962C8B-B14F-4D97-AF65-F5344CB8AC3E}">
-        <p14:creationId xmlns:p14="http://schemas.microsoft.com/office/powerpoint/2010/main" val="4070583840"/>
+        <p14:creationId xmlns:p14="http://schemas.microsoft.com/office/powerpoint/2010/main" val="2532395617"/>
       </p:ext>
     </p:extLst>
   </p:cSld>
@@ -4117,7 +4606,7 @@
           <a:p>
             <a:r>
               <a:rPr lang="en-US" dirty="0"/>
-              <a:t>View &amp; Edit Profile</a:t>
+              <a:t>Client Profile</a:t>
             </a:r>
             <a:endParaRPr lang="en-GB" dirty="0"/>
           </a:p>
@@ -4125,10 +4614,10 @@
       </p:sp>
       <p:pic>
         <p:nvPicPr>
-          <p:cNvPr id="5" name="Content Placeholder 4" descr="A screenshot of a cell phone&#10;&#10;Description automatically generated">
-            <a:extLst>
-              <a:ext uri="{FF2B5EF4-FFF2-40B4-BE49-F238E27FC236}">
-                <a16:creationId xmlns:a16="http://schemas.microsoft.com/office/drawing/2014/main" id="{DAFBEF47-00B2-44B3-B589-F224ACFD6890}"/>
+          <p:cNvPr id="5" name="Content Placeholder 4">
+            <a:extLst>
+              <a:ext uri="{FF2B5EF4-FFF2-40B4-BE49-F238E27FC236}">
+                <a16:creationId xmlns:a16="http://schemas.microsoft.com/office/drawing/2014/main" id="{D54E751E-A613-433C-9EC8-2742CEEBDCB9}"/>
               </a:ext>
             </a:extLst>
           </p:cNvPr>
@@ -4147,21 +4636,20 @@
               </a:ext>
             </a:extLst>
           </a:blip>
-          <a:stretch>
-            <a:fillRect/>
-          </a:stretch>
+          <a:srcRect/>
+          <a:stretch/>
         </p:blipFill>
         <p:spPr>
           <a:xfrm>
-            <a:off x="2614930" y="1825625"/>
-            <a:ext cx="6962140" cy="4351338"/>
+            <a:off x="2614930" y="2248672"/>
+            <a:ext cx="6962140" cy="3505244"/>
           </a:xfrm>
         </p:spPr>
       </p:pic>
     </p:spTree>
     <p:extLst>
       <p:ext uri="{BB962C8B-B14F-4D97-AF65-F5344CB8AC3E}">
-        <p14:creationId xmlns:p14="http://schemas.microsoft.com/office/powerpoint/2010/main" val="1198467285"/>
+        <p14:creationId xmlns:p14="http://schemas.microsoft.com/office/powerpoint/2010/main" val="1978897443"/>
       </p:ext>
     </p:extLst>
   </p:cSld>
